--- a/Template-Method-Demo/Mẫu Template Method (Nhóm 07).pptx
+++ b/Template-Method-Demo/Mẫu Template Method (Nhóm 07).pptx
@@ -521,7 +521,7 @@
               <a:pPr>
                 <a:defRPr/>
               </a:pPr>
-              <a:t>06/05/2024</a:t>
+              <a:t>07/05/2024</a:t>
             </a:fld>
             <a:endParaRPr lang="vi-VN"/>
           </a:p>
@@ -6822,11 +6822,9 @@
             </a:r>
           </a:p>
           <a:p>
-            <a:pPr lvl="1"/>
-            <a:r>
-              <a:rPr lang="vi-VN" dirty="0"/>
-              <a:t>Có thể vi phạm nguyên tắc Liskov bằng cách ngăn chặn việc triển khai bước mặc định thông qua lớp con.</a:t>
-            </a:r>
+            <a:pPr marL="457200" lvl="1" indent="0">
+              <a:buNone/>
+            </a:pPr>
             <a:endParaRPr lang="en-US" dirty="0"/>
           </a:p>
         </p:txBody>
@@ -7078,7 +7076,7 @@
           <a:p>
             <a:r>
               <a:rPr lang="vi-VN" dirty="0"/>
-              <a:t>Các ví dụ thực tế</a:t>
+              <a:t>Sử dụng khi nào</a:t>
             </a:r>
             <a:endParaRPr lang="en-US" dirty="0"/>
           </a:p>
@@ -7100,14 +7098,52 @@
             <p:ph idx="1"/>
           </p:nvPr>
         </p:nvSpPr>
-        <p:spPr/>
+        <p:spPr>
+          <a:xfrm>
+            <a:off x="571500" y="990600"/>
+            <a:ext cx="8458200" cy="5516563"/>
+          </a:xfrm>
+        </p:spPr>
         <p:txBody>
           <a:bodyPr/>
           <a:lstStyle/>
           <a:p>
-            <a:pPr marL="0" indent="0" algn="l">
-              <a:buNone/>
-            </a:pPr>
+            <a:r>
+              <a:rPr lang="vi-VN" dirty="0">
+                <a:latin typeface="Arial (Body)"/>
+              </a:rPr>
+              <a:t>Khi có một thuật toán với nhiều bước và mong muốn cho phép tùy chỉnh chúng trong lớp con. </a:t>
+            </a:r>
+          </a:p>
+          <a:p>
+            <a:r>
+              <a:rPr lang="vi-VN" dirty="0">
+                <a:latin typeface="Arial (Body)"/>
+              </a:rPr>
+              <a:t>Mong muốn chỉ có một triển khai phương thức trừu tượng duy nhất của một thuật toán. </a:t>
+            </a:r>
+          </a:p>
+          <a:p>
+            <a:r>
+              <a:rPr lang="vi-VN" dirty="0">
+                <a:latin typeface="Arial (Body)"/>
+              </a:rPr>
+              <a:t>Mong muốn hành vi chung giữa các lớp con nên được đặt ở một lớp chung. </a:t>
+            </a:r>
+          </a:p>
+          <a:p>
+            <a:r>
+              <a:rPr lang="vi-VN" dirty="0">
+                <a:latin typeface="Arial (Body)"/>
+              </a:rPr>
+              <a:t>Các lớp cha có thể gọi các hành vi trong các lớp con của chúng một cách thống nhất (step by step).</a:t>
+            </a:r>
+            <a:r>
+              <a:rPr lang="en-US" dirty="0">
+                <a:latin typeface="Arial (Body)"/>
+              </a:rPr>
+              <a:t> </a:t>
+            </a:r>
             <a:endParaRPr lang="vi-VN" dirty="0">
               <a:latin typeface="Arial (Body)"/>
             </a:endParaRPr>
@@ -7196,13 +7232,73 @@
           <a:p>
             <a:r>
               <a:rPr lang="vi-VN" dirty="0"/>
-              <a:t>Factory </a:t>
+              <a:t>Factory : là một chuyên môn hoá của Template Method, có thể đóng vai trò như một bước trong Template method </a:t>
             </a:r>
           </a:p>
           <a:p>
             <a:r>
               <a:rPr lang="vi-VN" dirty="0"/>
-              <a:t>Strategy</a:t>
+              <a:t>Strategy: thay đổi một phần của hành vi của object bằng cách </a:t>
+            </a:r>
+            <a:r>
+              <a:rPr lang="vi-VN" dirty="0">
+                <a:solidFill>
+                  <a:srgbClr val="FF0000"/>
+                </a:solidFill>
+              </a:rPr>
+              <a:t>cung cấp các chiến thuật </a:t>
+            </a:r>
+            <a:r>
+              <a:rPr lang="vi-VN" dirty="0"/>
+              <a:t>khác nhau để phản hồi cho hành vi đó, thay đổi trong lúc </a:t>
+            </a:r>
+            <a:r>
+              <a:rPr lang="vi-VN" dirty="0">
+                <a:solidFill>
+                  <a:srgbClr val="FF0000"/>
+                </a:solidFill>
+              </a:rPr>
+              <a:t>runtime</a:t>
+            </a:r>
+            <a:r>
+              <a:rPr lang="vi-VN" dirty="0"/>
+              <a:t>. Template cho phép bạn thay đổi một phần thuật toán bằng cách </a:t>
+            </a:r>
+            <a:r>
+              <a:rPr lang="vi-VN" dirty="0">
+                <a:solidFill>
+                  <a:srgbClr val="FF0000"/>
+                </a:solidFill>
+              </a:rPr>
+              <a:t>mở rộng </a:t>
+            </a:r>
+            <a:r>
+              <a:rPr lang="vi-VN" dirty="0"/>
+              <a:t>chúng trong </a:t>
+            </a:r>
+            <a:r>
+              <a:rPr lang="vi-VN" dirty="0">
+                <a:solidFill>
+                  <a:srgbClr val="FF0000"/>
+                </a:solidFill>
+              </a:rPr>
+              <a:t>subclass</a:t>
+            </a:r>
+            <a:r>
+              <a:rPr lang="vi-VN" dirty="0"/>
+              <a:t>, làm việc ở lớp nên nó </a:t>
+            </a:r>
+            <a:r>
+              <a:rPr lang="vi-VN" dirty="0">
+                <a:solidFill>
+                  <a:srgbClr val="FF0000"/>
+                </a:solidFill>
+              </a:rPr>
+              <a:t>“static”</a:t>
+            </a:r>
+            <a:r>
+              <a:rPr lang="vi-VN" dirty="0"/>
+              <a:t>.</a:t>
             </a:r>
           </a:p>
           <a:p>
